--- a/Week1/Exercise - My First Website.pptx
+++ b/Week1/Exercise - My First Website.pptx
@@ -113,6 +113,22 @@
       </a:defRPr>
     </a:lvl9pPr>
   </p:defaultTextStyle>
+  <p:extLst>
+    <p:ext uri="{EFAFB233-063F-42B5-8137-9DF3F51BA10A}">
+      <p15:sldGuideLst xmlns:p15="http://schemas.microsoft.com/office/powerpoint/2012/main">
+        <p15:guide id="1" orient="horz" pos="2160">
+          <p15:clr>
+            <a:srgbClr val="A4A3A4"/>
+          </p15:clr>
+        </p15:guide>
+        <p15:guide id="2" pos="2880">
+          <p15:clr>
+            <a:srgbClr val="A4A3A4"/>
+          </p15:clr>
+        </p15:guide>
+      </p15:sldGuideLst>
+    </p:ext>
+  </p:extLst>
 </p:presentation>
 </file>
 
@@ -298,7 +314,7 @@
             <a:fld id="{D40F6773-F06E-477B-95D9-FF99BEBA6534}" type="datetimeFigureOut">
               <a:rPr lang="en-US" smtClean="0"/>
               <a:pPr/>
-              <a:t>2/2/2016</a:t>
+              <a:t>2/5/2016</a:t>
             </a:fld>
             <a:endParaRPr lang="en-PH"/>
           </a:p>
@@ -465,7 +481,7 @@
             <a:fld id="{D40F6773-F06E-477B-95D9-FF99BEBA6534}" type="datetimeFigureOut">
               <a:rPr lang="en-US" smtClean="0"/>
               <a:pPr/>
-              <a:t>2/2/2016</a:t>
+              <a:t>2/5/2016</a:t>
             </a:fld>
             <a:endParaRPr lang="en-PH"/>
           </a:p>
@@ -642,7 +658,7 @@
             <a:fld id="{D40F6773-F06E-477B-95D9-FF99BEBA6534}" type="datetimeFigureOut">
               <a:rPr lang="en-US" smtClean="0"/>
               <a:pPr/>
-              <a:t>2/2/2016</a:t>
+              <a:t>2/5/2016</a:t>
             </a:fld>
             <a:endParaRPr lang="en-PH"/>
           </a:p>
@@ -809,7 +825,7 @@
             <a:fld id="{D40F6773-F06E-477B-95D9-FF99BEBA6534}" type="datetimeFigureOut">
               <a:rPr lang="en-US" smtClean="0"/>
               <a:pPr/>
-              <a:t>2/2/2016</a:t>
+              <a:t>2/5/2016</a:t>
             </a:fld>
             <a:endParaRPr lang="en-PH"/>
           </a:p>
@@ -1052,7 +1068,7 @@
             <a:fld id="{D40F6773-F06E-477B-95D9-FF99BEBA6534}" type="datetimeFigureOut">
               <a:rPr lang="en-US" smtClean="0"/>
               <a:pPr/>
-              <a:t>2/2/2016</a:t>
+              <a:t>2/5/2016</a:t>
             </a:fld>
             <a:endParaRPr lang="en-PH"/>
           </a:p>
@@ -1337,7 +1353,7 @@
             <a:fld id="{D40F6773-F06E-477B-95D9-FF99BEBA6534}" type="datetimeFigureOut">
               <a:rPr lang="en-US" smtClean="0"/>
               <a:pPr/>
-              <a:t>2/2/2016</a:t>
+              <a:t>2/5/2016</a:t>
             </a:fld>
             <a:endParaRPr lang="en-PH"/>
           </a:p>
@@ -1756,7 +1772,7 @@
             <a:fld id="{D40F6773-F06E-477B-95D9-FF99BEBA6534}" type="datetimeFigureOut">
               <a:rPr lang="en-US" smtClean="0"/>
               <a:pPr/>
-              <a:t>2/2/2016</a:t>
+              <a:t>2/5/2016</a:t>
             </a:fld>
             <a:endParaRPr lang="en-PH"/>
           </a:p>
@@ -1871,7 +1887,7 @@
             <a:fld id="{D40F6773-F06E-477B-95D9-FF99BEBA6534}" type="datetimeFigureOut">
               <a:rPr lang="en-US" smtClean="0"/>
               <a:pPr/>
-              <a:t>2/2/2016</a:t>
+              <a:t>2/5/2016</a:t>
             </a:fld>
             <a:endParaRPr lang="en-PH"/>
           </a:p>
@@ -1963,7 +1979,7 @@
             <a:fld id="{D40F6773-F06E-477B-95D9-FF99BEBA6534}" type="datetimeFigureOut">
               <a:rPr lang="en-US" smtClean="0"/>
               <a:pPr/>
-              <a:t>2/2/2016</a:t>
+              <a:t>2/5/2016</a:t>
             </a:fld>
             <a:endParaRPr lang="en-PH"/>
           </a:p>
@@ -2237,7 +2253,7 @@
             <a:fld id="{D40F6773-F06E-477B-95D9-FF99BEBA6534}" type="datetimeFigureOut">
               <a:rPr lang="en-US" smtClean="0"/>
               <a:pPr/>
-              <a:t>2/2/2016</a:t>
+              <a:t>2/5/2016</a:t>
             </a:fld>
             <a:endParaRPr lang="en-PH"/>
           </a:p>
@@ -2487,7 +2503,7 @@
             <a:fld id="{D40F6773-F06E-477B-95D9-FF99BEBA6534}" type="datetimeFigureOut">
               <a:rPr lang="en-US" smtClean="0"/>
               <a:pPr/>
-              <a:t>2/2/2016</a:t>
+              <a:t>2/5/2016</a:t>
             </a:fld>
             <a:endParaRPr lang="en-PH"/>
           </a:p>
@@ -2697,7 +2713,7 @@
             <a:fld id="{D40F6773-F06E-477B-95D9-FF99BEBA6534}" type="datetimeFigureOut">
               <a:rPr lang="en-US" smtClean="0"/>
               <a:pPr/>
-              <a:t>2/2/2016</a:t>
+              <a:t>2/5/2016</a:t>
             </a:fld>
             <a:endParaRPr lang="en-PH"/>
           </a:p>
@@ -3085,7 +3101,19 @@
           <a:p>
             <a:r>
               <a:rPr lang="en-PH" dirty="0" smtClean="0"/>
-              <a:t>HTML Exercise #1</a:t>
+              <a:t>HTML </a:t>
+            </a:r>
+            <a:r>
+              <a:rPr lang="en-PH" smtClean="0"/>
+              <a:t>Exasflajkjalkjfercise</a:t>
+            </a:r>
+            <a:r>
+              <a:rPr lang="en-PH" dirty="0" smtClean="0"/>
+              <a:t> </a:t>
+            </a:r>
+            <a:r>
+              <a:rPr lang="en-PH" dirty="0" smtClean="0"/>
+              <a:t>#1</a:t>
             </a:r>
             <a:endParaRPr lang="en-PH" dirty="0"/>
           </a:p>
@@ -3119,6 +3147,13 @@
   <p:clrMapOvr>
     <a:masterClrMapping/>
   </p:clrMapOvr>
+  <p:timing>
+    <p:tnLst>
+      <p:par>
+        <p:cTn id="1" dur="indefinite" restart="never" nodeType="tmRoot"/>
+      </p:par>
+    </p:tnLst>
+  </p:timing>
 </p:sld>
 </file>
 
@@ -3198,11 +3233,7 @@
           <a:p>
             <a:r>
               <a:rPr lang="en-PH" dirty="0" smtClean="0"/>
-              <a:t>Type “gi</a:t>
-            </a:r>
-            <a:r>
-              <a:rPr lang="en-PH" dirty="0" smtClean="0"/>
-              <a:t>t add -A”</a:t>
+              <a:t>Type “git add -A”</a:t>
             </a:r>
           </a:p>
           <a:p>
